--- a/Power BI/VG Analysis.pptx
+++ b/Power BI/VG Analysis.pptx
@@ -5,15 +5,14 @@
     <p:sldMasterId id="2147483660" r:id="rId1"/>
   </p:sldMasterIdLst>
   <p:notesMasterIdLst>
-    <p:notesMasterId r:id="rId8"/>
+    <p:notesMasterId r:id="rId7"/>
   </p:notesMasterIdLst>
   <p:sldIdLst>
     <p:sldId id="256" r:id="rId2"/>
-    <p:sldId id="261" r:id="rId3"/>
-    <p:sldId id="257" r:id="rId4"/>
-    <p:sldId id="258" r:id="rId5"/>
-    <p:sldId id="259" r:id="rId6"/>
-    <p:sldId id="260" r:id="rId7"/>
+    <p:sldId id="257" r:id="rId3"/>
+    <p:sldId id="258" r:id="rId4"/>
+    <p:sldId id="259" r:id="rId5"/>
+    <p:sldId id="260" r:id="rId6"/>
   </p:sldIdLst>
   <p:sldSz cx="12192000" cy="6858000"/>
   <p:notesSz cx="6858000" cy="9144000"/>
@@ -200,7 +199,7 @@
             </a:lvl1pPr>
           </a:lstStyle>
           <a:p>
-            <a:fld id="{4A432D34-F9CD-43E6-B3DB-BCDCF570C76C}" type="datetimeFigureOut">
+            <a:fld id="{20AEDCFC-03BD-44D0-AA46-8135F8AF6CA7}" type="datetimeFigureOut">
               <a:rPr lang="en-US" smtClean="0"/>
               <a:t>8/15/2023</a:t>
             </a:fld>
@@ -358,7 +357,7 @@
             </a:lvl1pPr>
           </a:lstStyle>
           <a:p>
-            <a:fld id="{A2183070-D2FE-447E-B888-5CBE083E6AF5}" type="slidenum">
+            <a:fld id="{88A5796A-83DD-4AB8-A996-F2234DA984CC}" type="slidenum">
               <a:rPr lang="en-US" smtClean="0"/>
               <a:t>‹#›</a:t>
             </a:fld>
@@ -369,7 +368,7 @@
     </p:spTree>
     <p:extLst>
       <p:ext uri="{BB962C8B-B14F-4D97-AF65-F5344CB8AC3E}">
-        <p14:creationId xmlns:p14="http://schemas.microsoft.com/office/powerpoint/2010/main" val="268766098"/>
+        <p14:creationId xmlns:p14="http://schemas.microsoft.com/office/powerpoint/2010/main" val="3840031669"/>
       </p:ext>
     </p:extLst>
   </p:cSld>
@@ -1273,6 +1272,40 @@
             <a:r>
               <a:rPr b="1" dirty="0"/>
               <a:t>keyDriversVisual</a:t>
+            </a:r>
+            <a:endParaRPr dirty="0"/>
+          </a:p>
+          <a:p>
+            <a:r>
+              <a:rPr b="0" dirty="0"/>
+              <a:t>No alt text provided</a:t>
+            </a:r>
+            <a:endParaRPr dirty="0"/>
+          </a:p>
+          <a:p>
+            <a:endParaRPr dirty="0"/>
+          </a:p>
+          <a:p>
+            <a:r>
+              <a:rPr b="1" dirty="0"/>
+              <a:t>tableEx</a:t>
+            </a:r>
+            <a:endParaRPr dirty="0"/>
+          </a:p>
+          <a:p>
+            <a:r>
+              <a:rPr b="0" dirty="0"/>
+              <a:t>No alt text provided</a:t>
+            </a:r>
+            <a:endParaRPr dirty="0"/>
+          </a:p>
+          <a:p>
+            <a:endParaRPr dirty="0"/>
+          </a:p>
+          <a:p>
+            <a:r>
+              <a:rPr b="1" dirty="0"/>
+              <a:t>actionButton</a:t>
             </a:r>
             <a:endParaRPr dirty="0"/>
           </a:p>
@@ -4246,7 +4279,7 @@
               <a:defRPr/>
             </a:pPr>
             <a:r>
-              <a:rPr kumimoji="0" lang="en-US" sz="4400" b="0" i="0" u="none" strike="noStrike" kern="1200" cap="none" spc="0" normalizeH="0" baseline="0" noProof="0" dirty="0">
+              <a:rPr kumimoji="0" lang="en-US" sz="4400" b="0" i="0" u="none" strike="noStrike" kern="1200" cap="none" spc="0" normalizeH="0" baseline="0" noProof="0">
                 <a:ln>
                   <a:noFill/>
                 </a:ln>
@@ -4260,8 +4293,22 @@
                 <a:ea typeface="Segoe UI Light" charset="0"/>
                 <a:cs typeface="Segoe UI Light" charset="0"/>
               </a:rPr>
-              <a:t>Brian Vineyard: VG Analysis</a:t>
-            </a:r>
+              <a:t>VG Analysis</a:t>
+            </a:r>
+            <a:endParaRPr kumimoji="0" lang="en-US" sz="4400" b="0" i="0" u="none" strike="noStrike" kern="1200" cap="none" spc="0" normalizeH="0" baseline="0" noProof="0" dirty="0">
+              <a:ln>
+                <a:noFill/>
+              </a:ln>
+              <a:solidFill>
+                <a:srgbClr val="F3C910"/>
+              </a:solidFill>
+              <a:effectLst/>
+              <a:uLnTx/>
+              <a:uFillTx/>
+              <a:latin typeface="Segoe UI Light" charset="0"/>
+              <a:ea typeface="Segoe UI Light" charset="0"/>
+              <a:cs typeface="Segoe UI Light" charset="0"/>
+            </a:endParaRPr>
           </a:p>
         </p:txBody>
       </p:sp>
@@ -4529,7 +4576,7 @@
                 <a:ea typeface="Segoe UI" charset="0"/>
                 <a:cs typeface="Segoe UI" charset="0"/>
               </a:rPr>
-              <a:t>8/15/2023 7:29:46 PM UTC</a:t>
+              <a:t>8/15/2023 11:56:31 PM UTC</a:t>
             </a:r>
           </a:p>
         </p:txBody>
@@ -4586,7 +4633,7 @@
                 <a:ea typeface="Segoe UI" charset="0"/>
                 <a:cs typeface="Segoe UI" charset="0"/>
               </a:rPr>
-              <a:t>8/15/2023 4:16:14 PM UTC</a:t>
+              <a:t>8/15/2023 8:03:50 PM UTC</a:t>
             </a:r>
             <a:endParaRPr lang="en-US" sz="900" b="0" i="0" dirty="0">
               <a:solidFill>
@@ -4681,207 +4728,6 @@
 <file path=ppt/slides/slide2.xml><?xml version="1.0" encoding="utf-8"?>
 <p:sld xmlns:a="http://schemas.openxmlformats.org/drawingml/2006/main" xmlns:r="http://schemas.openxmlformats.org/officeDocument/2006/relationships" xmlns:p="http://schemas.openxmlformats.org/presentationml/2006/main">
   <p:cSld>
-    <p:bg>
-      <p:bgPr>
-        <a:solidFill>
-          <a:schemeClr val="tx1"/>
-        </a:solidFill>
-        <a:effectLst/>
-      </p:bgPr>
-    </p:bg>
-    <p:spTree>
-      <p:nvGrpSpPr>
-        <p:cNvPr id="1" name=""/>
-        <p:cNvGrpSpPr/>
-        <p:nvPr/>
-      </p:nvGrpSpPr>
-      <p:grpSpPr>
-        <a:xfrm>
-          <a:off x="0" y="0"/>
-          <a:ext cx="0" cy="0"/>
-          <a:chOff x="0" y="0"/>
-          <a:chExt cx="0" cy="0"/>
-        </a:xfrm>
-      </p:grpSpPr>
-      <p:sp>
-        <p:nvSpPr>
-          <p:cNvPr id="2" name="TextBox 1">
-            <a:extLst>
-              <a:ext uri="{FF2B5EF4-FFF2-40B4-BE49-F238E27FC236}">
-                <a16:creationId xmlns:a16="http://schemas.microsoft.com/office/drawing/2014/main" id="{E32CD6FE-C4BB-DCB8-D176-73FF36BC3E1E}"/>
-              </a:ext>
-            </a:extLst>
-          </p:cNvPr>
-          <p:cNvSpPr txBox="1"/>
-          <p:nvPr/>
-        </p:nvSpPr>
-        <p:spPr>
-          <a:xfrm>
-            <a:off x="605642" y="1033153"/>
-            <a:ext cx="11305309" cy="2862322"/>
-          </a:xfrm>
-          <a:prstGeom prst="rect">
-            <a:avLst/>
-          </a:prstGeom>
-          <a:noFill/>
-        </p:spPr>
-        <p:txBody>
-          <a:bodyPr wrap="square" rtlCol="0">
-            <a:spAutoFit/>
-          </a:bodyPr>
-          <a:lstStyle/>
-          <a:p>
-            <a:r>
-              <a:rPr lang="en-US" dirty="0">
-                <a:solidFill>
-                  <a:schemeClr val="accent4"/>
-                </a:solidFill>
-              </a:rPr>
-              <a:t>Analysis of Video Game Sales dataset from Kaggle: </a:t>
-            </a:r>
-          </a:p>
-          <a:p>
-            <a:r>
-              <a:rPr lang="en-US" dirty="0">
-                <a:solidFill>
-                  <a:schemeClr val="bg1"/>
-                </a:solidFill>
-                <a:hlinkClick r:id="rId2"/>
-              </a:rPr>
-              <a:t>https://www.kaggle.com/datasets/gregorut/videogamesales/download?datasetVersionNumber=2</a:t>
-            </a:r>
-            <a:endParaRPr lang="en-US" dirty="0">
-              <a:solidFill>
-                <a:schemeClr val="bg1"/>
-              </a:solidFill>
-            </a:endParaRPr>
-          </a:p>
-          <a:p>
-            <a:endParaRPr lang="en-US" dirty="0">
-              <a:solidFill>
-                <a:schemeClr val="bg1"/>
-              </a:solidFill>
-            </a:endParaRPr>
-          </a:p>
-          <a:p>
-            <a:r>
-              <a:rPr lang="en-US" dirty="0">
-                <a:solidFill>
-                  <a:schemeClr val="bg1"/>
-                </a:solidFill>
-              </a:rPr>
-              <a:t>This dashboard was completed in less than 2 days, and includes the following features:</a:t>
-            </a:r>
-          </a:p>
-          <a:p>
-            <a:endParaRPr lang="en-US" dirty="0">
-              <a:solidFill>
-                <a:schemeClr val="bg1"/>
-              </a:solidFill>
-            </a:endParaRPr>
-          </a:p>
-          <a:p>
-            <a:r>
-              <a:rPr lang="en-US" dirty="0">
-                <a:solidFill>
-                  <a:schemeClr val="accent4"/>
-                </a:solidFill>
-              </a:rPr>
-              <a:t>Executive Dashboard: </a:t>
-            </a:r>
-            <a:r>
-              <a:rPr lang="en-US" dirty="0">
-                <a:solidFill>
-                  <a:schemeClr val="bg1"/>
-                </a:solidFill>
-              </a:rPr>
-              <a:t>Sales Totals by Region, Sales by Genre, Sales by Platform, Top Selling Titles, Sales by Year</a:t>
-            </a:r>
-          </a:p>
-          <a:p>
-            <a:r>
-              <a:rPr lang="en-US" dirty="0">
-                <a:solidFill>
-                  <a:schemeClr val="accent4"/>
-                </a:solidFill>
-              </a:rPr>
-              <a:t>Breakdown by Genre:</a:t>
-            </a:r>
-            <a:r>
-              <a:rPr lang="en-US" dirty="0">
-                <a:solidFill>
-                  <a:schemeClr val="bg1"/>
-                </a:solidFill>
-              </a:rPr>
-              <a:t>  Top selling titles for the top 3 genres: Action, Sports, and Shooter, Releases by Year</a:t>
-            </a:r>
-          </a:p>
-          <a:p>
-            <a:r>
-              <a:rPr lang="en-US" dirty="0">
-                <a:solidFill>
-                  <a:schemeClr val="accent4"/>
-                </a:solidFill>
-              </a:rPr>
-              <a:t>North American Analysis: </a:t>
-            </a:r>
-            <a:r>
-              <a:rPr lang="en-US" dirty="0">
-                <a:solidFill>
-                  <a:schemeClr val="bg1"/>
-                </a:solidFill>
-              </a:rPr>
-              <a:t>Sales by Publisher, Game Count by Publisher, Decomposition Tree showing top sales drilldown</a:t>
-            </a:r>
-          </a:p>
-          <a:p>
-            <a:r>
-              <a:rPr lang="en-US" dirty="0">
-                <a:solidFill>
-                  <a:schemeClr val="accent4"/>
-                </a:solidFill>
-              </a:rPr>
-              <a:t>Key Influencers: </a:t>
-            </a:r>
-            <a:r>
-              <a:rPr lang="en-US" dirty="0">
-                <a:solidFill>
-                  <a:schemeClr val="bg1"/>
-                </a:solidFill>
-              </a:rPr>
-              <a:t>Power BI analysis of factors that cause Global Sales to increase or decrease </a:t>
-            </a:r>
-            <a:endParaRPr lang="en-US" dirty="0">
-              <a:solidFill>
-                <a:schemeClr val="accent4"/>
-              </a:solidFill>
-            </a:endParaRPr>
-          </a:p>
-          <a:p>
-            <a:endParaRPr lang="en-US" dirty="0">
-              <a:solidFill>
-                <a:schemeClr val="bg1"/>
-              </a:solidFill>
-            </a:endParaRPr>
-          </a:p>
-        </p:txBody>
-      </p:sp>
-    </p:spTree>
-    <p:extLst>
-      <p:ext uri="{BB962C8B-B14F-4D97-AF65-F5344CB8AC3E}">
-        <p14:creationId xmlns:p14="http://schemas.microsoft.com/office/powerpoint/2010/main" val="3028367729"/>
-      </p:ext>
-    </p:extLst>
-  </p:cSld>
-  <p:clrMapOvr>
-    <a:masterClrMapping/>
-  </p:clrMapOvr>
-</p:sld>
-</file>
-
-<file path=ppt/slides/slide3.xml><?xml version="1.0" encoding="utf-8"?>
-<p:sld xmlns:a="http://schemas.openxmlformats.org/drawingml/2006/main" xmlns:r="http://schemas.openxmlformats.org/officeDocument/2006/relationships" xmlns:p="http://schemas.openxmlformats.org/presentationml/2006/main">
-  <p:cSld>
     <p:spTree>
       <p:nvGrpSpPr>
         <p:cNvPr id="1" name=""/>
@@ -4952,7 +4798,7 @@
 </p:sld>
 </file>
 
-<file path=ppt/slides/slide4.xml><?xml version="1.0" encoding="utf-8"?>
+<file path=ppt/slides/slide3.xml><?xml version="1.0" encoding="utf-8"?>
 <p:sld xmlns:a="http://schemas.openxmlformats.org/drawingml/2006/main" xmlns:r="http://schemas.openxmlformats.org/officeDocument/2006/relationships" xmlns:p="http://schemas.openxmlformats.org/presentationml/2006/main">
   <p:cSld>
     <p:spTree>
@@ -5025,7 +4871,7 @@
 </p:sld>
 </file>
 
-<file path=ppt/slides/slide5.xml><?xml version="1.0" encoding="utf-8"?>
+<file path=ppt/slides/slide4.xml><?xml version="1.0" encoding="utf-8"?>
 <p:sld xmlns:a="http://schemas.openxmlformats.org/drawingml/2006/main" xmlns:r="http://schemas.openxmlformats.org/officeDocument/2006/relationships" xmlns:p="http://schemas.openxmlformats.org/presentationml/2006/main">
   <p:cSld>
     <p:spTree>
@@ -5098,7 +4944,7 @@
 </p:sld>
 </file>
 
-<file path=ppt/slides/slide6.xml><?xml version="1.0" encoding="utf-8"?>
+<file path=ppt/slides/slide5.xml><?xml version="1.0" encoding="utf-8"?>
 <p:sld xmlns:a="http://schemas.openxmlformats.org/drawingml/2006/main" xmlns:r="http://schemas.openxmlformats.org/officeDocument/2006/relationships" xmlns:p="http://schemas.openxmlformats.org/presentationml/2006/main">
   <p:cSld>
     <p:spTree>
@@ -5117,7 +4963,7 @@
       </p:grpSpPr>
       <p:pic>
         <p:nvPicPr>
-          <p:cNvPr id="3" name="Picture" title="This slide contains the following visuals: keyDriversVisual. Please refer to the notes on this slide for details">
+          <p:cNvPr id="3" name="Picture" title="This slide contains the following visuals: keyDriversVisual ,tableEx ,actionButton. Please refer to the notes on this slide for details">
             <a:hlinkClick r:id="rId3"/>
           </p:cNvPr>
           <p:cNvPicPr>
